--- a/SE-2016A-G08-成果展示/SE-2016A-G08-项目成果.pptx
+++ b/SE-2016A-G08-成果展示/SE-2016A-G08-项目成果.pptx
@@ -8403,6 +8403,32 @@
                 <a:ea typeface="微软雅黑" panose="020B0503020204020204" pitchFamily="34" charset="-122"/>
               </a:rPr>
               <a:t>、风速、风向</a:t>
+            </a:r>
+            <a:endParaRPr lang="en-US" altLang="zh-CN" dirty="0">
+              <a:latin typeface="微软雅黑" panose="020B0503020204020204" pitchFamily="34" charset="-122"/>
+              <a:ea typeface="微软雅黑" panose="020B0503020204020204" pitchFamily="34" charset="-122"/>
+            </a:endParaRPr>
+          </a:p>
+          <a:p>
+            <a:r>
+              <a:rPr lang="zh-CN" altLang="en-US" dirty="0">
+                <a:latin typeface="微软雅黑" panose="020B0503020204020204" pitchFamily="34" charset="-122"/>
+                <a:ea typeface="微软雅黑" panose="020B0503020204020204" pitchFamily="34" charset="-122"/>
+              </a:rPr>
+              <a:t>添加功能定制</a:t>
+            </a:r>
+            <a:endParaRPr lang="en-US" altLang="zh-CN" dirty="0">
+              <a:latin typeface="微软雅黑" panose="020B0503020204020204" pitchFamily="34" charset="-122"/>
+              <a:ea typeface="微软雅黑" panose="020B0503020204020204" pitchFamily="34" charset="-122"/>
+            </a:endParaRPr>
+          </a:p>
+          <a:p>
+            <a:r>
+              <a:rPr lang="zh-CN" altLang="en-US">
+                <a:latin typeface="微软雅黑" panose="020B0503020204020204" pitchFamily="34" charset="-122"/>
+                <a:ea typeface="微软雅黑" panose="020B0503020204020204" pitchFamily="34" charset="-122"/>
+              </a:rPr>
+              <a:t>解决数据传不上去的问题</a:t>
             </a:r>
             <a:endParaRPr lang="en-US" altLang="zh-CN" dirty="0">
               <a:latin typeface="微软雅黑" panose="020B0503020204020204" pitchFamily="34" charset="-122"/>
